--- a/Concis.pptx
+++ b/Concis.pptx
@@ -4,6 +4,12 @@
   <p:sldMasterIdLst>
     <p:sldMasterId id="2147483648" r:id="rId1"/>
   </p:sldMasterIdLst>
+  <p:notesMasterIdLst>
+    <p:notesMasterId r:id="rId16"/>
+  </p:notesMasterIdLst>
+  <p:handoutMasterIdLst>
+    <p:handoutMasterId r:id="rId17"/>
+  </p:handoutMasterIdLst>
   <p:sldIdLst>
     <p:sldId id="256" r:id="rId2"/>
     <p:sldId id="257" r:id="rId3"/>
@@ -117,7 +123,552 @@
       </a:defRPr>
     </a:lvl9pPr>
   </p:defaultTextStyle>
+  <p:extLst>
+    <p:ext uri="{EFAFB233-063F-42B5-8137-9DF3F51BA10A}">
+      <p15:sldGuideLst xmlns:p15="http://schemas.microsoft.com/office/powerpoint/2012/main"/>
+    </p:ext>
+  </p:extLst>
 </p:presentation>
+</file>
+
+<file path=ppt/handoutMasters/handoutMaster1.xml><?xml version="1.0" encoding="utf-8"?>
+<p:handoutMaster xmlns:a="http://schemas.openxmlformats.org/drawingml/2006/main" xmlns:r="http://schemas.openxmlformats.org/officeDocument/2006/relationships" xmlns:p="http://schemas.openxmlformats.org/presentationml/2006/main">
+  <p:cSld>
+    <p:bg>
+      <p:bgRef idx="1001">
+        <a:schemeClr val="bg1"/>
+      </p:bgRef>
+    </p:bg>
+    <p:spTree>
+      <p:nvGrpSpPr>
+        <p:cNvPr id="1" name=""/>
+        <p:cNvGrpSpPr/>
+        <p:nvPr/>
+      </p:nvGrpSpPr>
+      <p:grpSpPr>
+        <a:xfrm>
+          <a:off x="0" y="0"/>
+          <a:ext cx="0" cy="0"/>
+          <a:chOff x="0" y="0"/>
+          <a:chExt cx="0" cy="0"/>
+        </a:xfrm>
+      </p:grpSpPr>
+      <p:sp>
+        <p:nvSpPr>
+          <p:cNvPr id="2" name="Espace réservé de l'en-tête 1">
+            <a:extLst>
+              <a:ext uri="{FF2B5EF4-FFF2-40B4-BE49-F238E27FC236}">
+                <a16:creationId xmlns:a16="http://schemas.microsoft.com/office/drawing/2014/main" id="{A6EE055D-F392-46CE-959F-39ECBA627CE0}"/>
+              </a:ext>
+            </a:extLst>
+          </p:cNvPr>
+          <p:cNvSpPr>
+            <a:spLocks noGrp="1"/>
+          </p:cNvSpPr>
+          <p:nvPr>
+            <p:ph type="hdr" sz="quarter"/>
+          </p:nvPr>
+        </p:nvSpPr>
+        <p:spPr>
+          <a:xfrm>
+            <a:off x="0" y="0"/>
+            <a:ext cx="2971800" cy="458788"/>
+          </a:xfrm>
+          <a:prstGeom prst="rect">
+            <a:avLst/>
+          </a:prstGeom>
+        </p:spPr>
+        <p:txBody>
+          <a:bodyPr vert="horz" lIns="91440" tIns="45720" rIns="91440" bIns="45720" rtlCol="0"/>
+          <a:lstStyle>
+            <a:lvl1pPr algn="l">
+              <a:defRPr sz="1200"/>
+            </a:lvl1pPr>
+          </a:lstStyle>
+          <a:p>
+            <a:endParaRPr lang="fr-FR"/>
+          </a:p>
+        </p:txBody>
+      </p:sp>
+      <p:sp>
+        <p:nvSpPr>
+          <p:cNvPr id="3" name="Espace réservé de la date 2">
+            <a:extLst>
+              <a:ext uri="{FF2B5EF4-FFF2-40B4-BE49-F238E27FC236}">
+                <a16:creationId xmlns:a16="http://schemas.microsoft.com/office/drawing/2014/main" id="{C31B88DA-4BA0-468A-8968-7F37AFF33E9A}"/>
+              </a:ext>
+            </a:extLst>
+          </p:cNvPr>
+          <p:cNvSpPr>
+            <a:spLocks noGrp="1"/>
+          </p:cNvSpPr>
+          <p:nvPr>
+            <p:ph type="dt" sz="quarter" idx="1"/>
+          </p:nvPr>
+        </p:nvSpPr>
+        <p:spPr>
+          <a:xfrm>
+            <a:off x="3884613" y="0"/>
+            <a:ext cx="2971800" cy="458788"/>
+          </a:xfrm>
+          <a:prstGeom prst="rect">
+            <a:avLst/>
+          </a:prstGeom>
+        </p:spPr>
+        <p:txBody>
+          <a:bodyPr vert="horz" lIns="91440" tIns="45720" rIns="91440" bIns="45720" rtlCol="0"/>
+          <a:lstStyle>
+            <a:lvl1pPr algn="r">
+              <a:defRPr sz="1200"/>
+            </a:lvl1pPr>
+          </a:lstStyle>
+          <a:p>
+            <a:fld id="{1D95EDC2-23E2-42F7-AC92-3CC518C16BE8}" type="datetimeFigureOut">
+              <a:rPr lang="fr-FR" smtClean="0"/>
+              <a:t>11/09/2020</a:t>
+            </a:fld>
+            <a:endParaRPr lang="fr-FR"/>
+          </a:p>
+        </p:txBody>
+      </p:sp>
+      <p:sp>
+        <p:nvSpPr>
+          <p:cNvPr id="4" name="Espace réservé du pied de page 3">
+            <a:extLst>
+              <a:ext uri="{FF2B5EF4-FFF2-40B4-BE49-F238E27FC236}">
+                <a16:creationId xmlns:a16="http://schemas.microsoft.com/office/drawing/2014/main" id="{FEE6CA4D-7C93-4D78-831C-71BF946D79BC}"/>
+              </a:ext>
+            </a:extLst>
+          </p:cNvPr>
+          <p:cNvSpPr>
+            <a:spLocks noGrp="1"/>
+          </p:cNvSpPr>
+          <p:nvPr>
+            <p:ph type="ftr" sz="quarter" idx="2"/>
+          </p:nvPr>
+        </p:nvSpPr>
+        <p:spPr>
+          <a:xfrm>
+            <a:off x="0" y="8685213"/>
+            <a:ext cx="2971800" cy="458787"/>
+          </a:xfrm>
+          <a:prstGeom prst="rect">
+            <a:avLst/>
+          </a:prstGeom>
+        </p:spPr>
+        <p:txBody>
+          <a:bodyPr vert="horz" lIns="91440" tIns="45720" rIns="91440" bIns="45720" rtlCol="0" anchor="b"/>
+          <a:lstStyle>
+            <a:lvl1pPr algn="l">
+              <a:defRPr sz="1200"/>
+            </a:lvl1pPr>
+          </a:lstStyle>
+          <a:p>
+            <a:endParaRPr lang="fr-FR"/>
+          </a:p>
+        </p:txBody>
+      </p:sp>
+      <p:sp>
+        <p:nvSpPr>
+          <p:cNvPr id="5" name="Espace réservé du numéro de diapositive 4">
+            <a:extLst>
+              <a:ext uri="{FF2B5EF4-FFF2-40B4-BE49-F238E27FC236}">
+                <a16:creationId xmlns:a16="http://schemas.microsoft.com/office/drawing/2014/main" id="{895E1F80-BA8E-49D5-BF53-8632B6938855}"/>
+              </a:ext>
+            </a:extLst>
+          </p:cNvPr>
+          <p:cNvSpPr>
+            <a:spLocks noGrp="1"/>
+          </p:cNvSpPr>
+          <p:nvPr>
+            <p:ph type="sldNum" sz="quarter" idx="3"/>
+          </p:nvPr>
+        </p:nvSpPr>
+        <p:spPr>
+          <a:xfrm>
+            <a:off x="3884613" y="8685213"/>
+            <a:ext cx="2971800" cy="458787"/>
+          </a:xfrm>
+          <a:prstGeom prst="rect">
+            <a:avLst/>
+          </a:prstGeom>
+        </p:spPr>
+        <p:txBody>
+          <a:bodyPr vert="horz" lIns="91440" tIns="45720" rIns="91440" bIns="45720" rtlCol="0" anchor="b"/>
+          <a:lstStyle>
+            <a:lvl1pPr algn="r">
+              <a:defRPr sz="1200"/>
+            </a:lvl1pPr>
+          </a:lstStyle>
+          <a:p>
+            <a:fld id="{88F17461-5CE5-493F-BF97-B96F6C7CBA94}" type="slidenum">
+              <a:rPr lang="fr-FR" smtClean="0"/>
+              <a:t>‹N°›</a:t>
+            </a:fld>
+            <a:endParaRPr lang="fr-FR"/>
+          </a:p>
+        </p:txBody>
+      </p:sp>
+    </p:spTree>
+    <p:extLst>
+      <p:ext uri="{BB962C8B-B14F-4D97-AF65-F5344CB8AC3E}">
+        <p14:creationId xmlns:p14="http://schemas.microsoft.com/office/powerpoint/2010/main" val="1092166786"/>
+      </p:ext>
+    </p:extLst>
+  </p:cSld>
+  <p:clrMap bg1="lt1" tx1="dk1" bg2="lt2" tx2="dk2" accent1="accent1" accent2="accent2" accent3="accent3" accent4="accent4" accent5="accent5" accent6="accent6" hlink="hlink" folHlink="folHlink"/>
+  <p:hf hdr="0" ftr="0" dt="0"/>
+</p:handoutMaster>
+</file>
+
+<file path=ppt/notesMasters/notesMaster1.xml><?xml version="1.0" encoding="utf-8"?>
+<p:notesMaster xmlns:a="http://schemas.openxmlformats.org/drawingml/2006/main" xmlns:r="http://schemas.openxmlformats.org/officeDocument/2006/relationships" xmlns:p="http://schemas.openxmlformats.org/presentationml/2006/main">
+  <p:cSld>
+    <p:bg>
+      <p:bgRef idx="1001">
+        <a:schemeClr val="bg1"/>
+      </p:bgRef>
+    </p:bg>
+    <p:spTree>
+      <p:nvGrpSpPr>
+        <p:cNvPr id="1" name=""/>
+        <p:cNvGrpSpPr/>
+        <p:nvPr/>
+      </p:nvGrpSpPr>
+      <p:grpSpPr>
+        <a:xfrm>
+          <a:off x="0" y="0"/>
+          <a:ext cx="0" cy="0"/>
+          <a:chOff x="0" y="0"/>
+          <a:chExt cx="0" cy="0"/>
+        </a:xfrm>
+      </p:grpSpPr>
+      <p:sp>
+        <p:nvSpPr>
+          <p:cNvPr id="2" name="Espace réservé de l'en-tête 1"/>
+          <p:cNvSpPr>
+            <a:spLocks noGrp="1"/>
+          </p:cNvSpPr>
+          <p:nvPr>
+            <p:ph type="hdr" sz="quarter"/>
+          </p:nvPr>
+        </p:nvSpPr>
+        <p:spPr>
+          <a:xfrm>
+            <a:off x="0" y="0"/>
+            <a:ext cx="2971800" cy="458788"/>
+          </a:xfrm>
+          <a:prstGeom prst="rect">
+            <a:avLst/>
+          </a:prstGeom>
+        </p:spPr>
+        <p:txBody>
+          <a:bodyPr vert="horz" lIns="91440" tIns="45720" rIns="91440" bIns="45720" rtlCol="0"/>
+          <a:lstStyle>
+            <a:lvl1pPr algn="l">
+              <a:defRPr sz="1200"/>
+            </a:lvl1pPr>
+          </a:lstStyle>
+          <a:p>
+            <a:endParaRPr lang="fr-FR"/>
+          </a:p>
+        </p:txBody>
+      </p:sp>
+      <p:sp>
+        <p:nvSpPr>
+          <p:cNvPr id="3" name="Espace réservé de la date 2"/>
+          <p:cNvSpPr>
+            <a:spLocks noGrp="1"/>
+          </p:cNvSpPr>
+          <p:nvPr>
+            <p:ph type="dt" idx="1"/>
+          </p:nvPr>
+        </p:nvSpPr>
+        <p:spPr>
+          <a:xfrm>
+            <a:off x="3884613" y="0"/>
+            <a:ext cx="2971800" cy="458788"/>
+          </a:xfrm>
+          <a:prstGeom prst="rect">
+            <a:avLst/>
+          </a:prstGeom>
+        </p:spPr>
+        <p:txBody>
+          <a:bodyPr vert="horz" lIns="91440" tIns="45720" rIns="91440" bIns="45720" rtlCol="0"/>
+          <a:lstStyle>
+            <a:lvl1pPr algn="r">
+              <a:defRPr sz="1200"/>
+            </a:lvl1pPr>
+          </a:lstStyle>
+          <a:p>
+            <a:fld id="{10CFE621-3E68-4E66-A88D-446BEEFE441D}" type="datetimeFigureOut">
+              <a:rPr lang="fr-FR" smtClean="0"/>
+              <a:t>11/09/2020</a:t>
+            </a:fld>
+            <a:endParaRPr lang="fr-FR"/>
+          </a:p>
+        </p:txBody>
+      </p:sp>
+      <p:sp>
+        <p:nvSpPr>
+          <p:cNvPr id="4" name="Espace réservé de l'image des diapositives 3"/>
+          <p:cNvSpPr>
+            <a:spLocks noGrp="1" noRot="1" noChangeAspect="1"/>
+          </p:cNvSpPr>
+          <p:nvPr>
+            <p:ph type="sldImg" idx="2"/>
+          </p:nvPr>
+        </p:nvSpPr>
+        <p:spPr>
+          <a:xfrm>
+            <a:off x="685800" y="1143000"/>
+            <a:ext cx="5486400" cy="3086100"/>
+          </a:xfrm>
+          <a:prstGeom prst="rect">
+            <a:avLst/>
+          </a:prstGeom>
+          <a:noFill/>
+          <a:ln w="12700">
+            <a:solidFill>
+              <a:prstClr val="black"/>
+            </a:solidFill>
+          </a:ln>
+        </p:spPr>
+        <p:txBody>
+          <a:bodyPr vert="horz" lIns="91440" tIns="45720" rIns="91440" bIns="45720" rtlCol="0" anchor="ctr"/>
+          <a:lstStyle/>
+          <a:p>
+            <a:endParaRPr lang="fr-FR"/>
+          </a:p>
+        </p:txBody>
+      </p:sp>
+      <p:sp>
+        <p:nvSpPr>
+          <p:cNvPr id="5" name="Espace réservé des notes 4"/>
+          <p:cNvSpPr>
+            <a:spLocks noGrp="1"/>
+          </p:cNvSpPr>
+          <p:nvPr>
+            <p:ph type="body" sz="quarter" idx="3"/>
+          </p:nvPr>
+        </p:nvSpPr>
+        <p:spPr>
+          <a:xfrm>
+            <a:off x="685800" y="4400550"/>
+            <a:ext cx="5486400" cy="3600450"/>
+          </a:xfrm>
+          <a:prstGeom prst="rect">
+            <a:avLst/>
+          </a:prstGeom>
+        </p:spPr>
+        <p:txBody>
+          <a:bodyPr vert="horz" lIns="91440" tIns="45720" rIns="91440" bIns="45720" rtlCol="0"/>
+          <a:lstStyle/>
+          <a:p>
+            <a:pPr lvl="0"/>
+            <a:r>
+              <a:rPr lang="fr-FR"/>
+              <a:t>Cliquez pour modifier les styles du texte du masque</a:t>
+            </a:r>
+          </a:p>
+          <a:p>
+            <a:pPr lvl="1"/>
+            <a:r>
+              <a:rPr lang="fr-FR"/>
+              <a:t>Deuxième niveau</a:t>
+            </a:r>
+          </a:p>
+          <a:p>
+            <a:pPr lvl="2"/>
+            <a:r>
+              <a:rPr lang="fr-FR"/>
+              <a:t>Troisième niveau</a:t>
+            </a:r>
+          </a:p>
+          <a:p>
+            <a:pPr lvl="3"/>
+            <a:r>
+              <a:rPr lang="fr-FR"/>
+              <a:t>Quatrième niveau</a:t>
+            </a:r>
+          </a:p>
+          <a:p>
+            <a:pPr lvl="4"/>
+            <a:r>
+              <a:rPr lang="fr-FR"/>
+              <a:t>Cinquième niveau</a:t>
+            </a:r>
+          </a:p>
+        </p:txBody>
+      </p:sp>
+      <p:sp>
+        <p:nvSpPr>
+          <p:cNvPr id="6" name="Espace réservé du pied de page 5"/>
+          <p:cNvSpPr>
+            <a:spLocks noGrp="1"/>
+          </p:cNvSpPr>
+          <p:nvPr>
+            <p:ph type="ftr" sz="quarter" idx="4"/>
+          </p:nvPr>
+        </p:nvSpPr>
+        <p:spPr>
+          <a:xfrm>
+            <a:off x="0" y="8685213"/>
+            <a:ext cx="2971800" cy="458787"/>
+          </a:xfrm>
+          <a:prstGeom prst="rect">
+            <a:avLst/>
+          </a:prstGeom>
+        </p:spPr>
+        <p:txBody>
+          <a:bodyPr vert="horz" lIns="91440" tIns="45720" rIns="91440" bIns="45720" rtlCol="0" anchor="b"/>
+          <a:lstStyle>
+            <a:lvl1pPr algn="l">
+              <a:defRPr sz="1200"/>
+            </a:lvl1pPr>
+          </a:lstStyle>
+          <a:p>
+            <a:endParaRPr lang="fr-FR"/>
+          </a:p>
+        </p:txBody>
+      </p:sp>
+      <p:sp>
+        <p:nvSpPr>
+          <p:cNvPr id="7" name="Espace réservé du numéro de diapositive 6"/>
+          <p:cNvSpPr>
+            <a:spLocks noGrp="1"/>
+          </p:cNvSpPr>
+          <p:nvPr>
+            <p:ph type="sldNum" sz="quarter" idx="5"/>
+          </p:nvPr>
+        </p:nvSpPr>
+        <p:spPr>
+          <a:xfrm>
+            <a:off x="3884613" y="8685213"/>
+            <a:ext cx="2971800" cy="458787"/>
+          </a:xfrm>
+          <a:prstGeom prst="rect">
+            <a:avLst/>
+          </a:prstGeom>
+        </p:spPr>
+        <p:txBody>
+          <a:bodyPr vert="horz" lIns="91440" tIns="45720" rIns="91440" bIns="45720" rtlCol="0" anchor="b"/>
+          <a:lstStyle>
+            <a:lvl1pPr algn="r">
+              <a:defRPr sz="1200"/>
+            </a:lvl1pPr>
+          </a:lstStyle>
+          <a:p>
+            <a:fld id="{B485524F-F130-4751-A9B6-F8EB5E6F682E}" type="slidenum">
+              <a:rPr lang="fr-FR" smtClean="0"/>
+              <a:t>‹N°›</a:t>
+            </a:fld>
+            <a:endParaRPr lang="fr-FR"/>
+          </a:p>
+        </p:txBody>
+      </p:sp>
+    </p:spTree>
+    <p:extLst>
+      <p:ext uri="{BB962C8B-B14F-4D97-AF65-F5344CB8AC3E}">
+        <p14:creationId xmlns:p14="http://schemas.microsoft.com/office/powerpoint/2010/main" val="380636892"/>
+      </p:ext>
+    </p:extLst>
+  </p:cSld>
+  <p:clrMap bg1="lt1" tx1="dk1" bg2="lt2" tx2="dk2" accent1="accent1" accent2="accent2" accent3="accent3" accent4="accent4" accent5="accent5" accent6="accent6" hlink="hlink" folHlink="folHlink"/>
+  <p:hf hdr="0" ftr="0" dt="0"/>
+  <p:notesStyle>
+    <a:lvl1pPr marL="0" algn="l" defTabSz="914400" rtl="0" eaLnBrk="1" latinLnBrk="0" hangingPunct="1">
+      <a:defRPr sz="1200" kern="1200">
+        <a:solidFill>
+          <a:schemeClr val="tx1"/>
+        </a:solidFill>
+        <a:latin typeface="+mn-lt"/>
+        <a:ea typeface="+mn-ea"/>
+        <a:cs typeface="+mn-cs"/>
+      </a:defRPr>
+    </a:lvl1pPr>
+    <a:lvl2pPr marL="457200" algn="l" defTabSz="914400" rtl="0" eaLnBrk="1" latinLnBrk="0" hangingPunct="1">
+      <a:defRPr sz="1200" kern="1200">
+        <a:solidFill>
+          <a:schemeClr val="tx1"/>
+        </a:solidFill>
+        <a:latin typeface="+mn-lt"/>
+        <a:ea typeface="+mn-ea"/>
+        <a:cs typeface="+mn-cs"/>
+      </a:defRPr>
+    </a:lvl2pPr>
+    <a:lvl3pPr marL="914400" algn="l" defTabSz="914400" rtl="0" eaLnBrk="1" latinLnBrk="0" hangingPunct="1">
+      <a:defRPr sz="1200" kern="1200">
+        <a:solidFill>
+          <a:schemeClr val="tx1"/>
+        </a:solidFill>
+        <a:latin typeface="+mn-lt"/>
+        <a:ea typeface="+mn-ea"/>
+        <a:cs typeface="+mn-cs"/>
+      </a:defRPr>
+    </a:lvl3pPr>
+    <a:lvl4pPr marL="1371600" algn="l" defTabSz="914400" rtl="0" eaLnBrk="1" latinLnBrk="0" hangingPunct="1">
+      <a:defRPr sz="1200" kern="1200">
+        <a:solidFill>
+          <a:schemeClr val="tx1"/>
+        </a:solidFill>
+        <a:latin typeface="+mn-lt"/>
+        <a:ea typeface="+mn-ea"/>
+        <a:cs typeface="+mn-cs"/>
+      </a:defRPr>
+    </a:lvl4pPr>
+    <a:lvl5pPr marL="1828800" algn="l" defTabSz="914400" rtl="0" eaLnBrk="1" latinLnBrk="0" hangingPunct="1">
+      <a:defRPr sz="1200" kern="1200">
+        <a:solidFill>
+          <a:schemeClr val="tx1"/>
+        </a:solidFill>
+        <a:latin typeface="+mn-lt"/>
+        <a:ea typeface="+mn-ea"/>
+        <a:cs typeface="+mn-cs"/>
+      </a:defRPr>
+    </a:lvl5pPr>
+    <a:lvl6pPr marL="2286000" algn="l" defTabSz="914400" rtl="0" eaLnBrk="1" latinLnBrk="0" hangingPunct="1">
+      <a:defRPr sz="1200" kern="1200">
+        <a:solidFill>
+          <a:schemeClr val="tx1"/>
+        </a:solidFill>
+        <a:latin typeface="+mn-lt"/>
+        <a:ea typeface="+mn-ea"/>
+        <a:cs typeface="+mn-cs"/>
+      </a:defRPr>
+    </a:lvl6pPr>
+    <a:lvl7pPr marL="2743200" algn="l" defTabSz="914400" rtl="0" eaLnBrk="1" latinLnBrk="0" hangingPunct="1">
+      <a:defRPr sz="1200" kern="1200">
+        <a:solidFill>
+          <a:schemeClr val="tx1"/>
+        </a:solidFill>
+        <a:latin typeface="+mn-lt"/>
+        <a:ea typeface="+mn-ea"/>
+        <a:cs typeface="+mn-cs"/>
+      </a:defRPr>
+    </a:lvl7pPr>
+    <a:lvl8pPr marL="3200400" algn="l" defTabSz="914400" rtl="0" eaLnBrk="1" latinLnBrk="0" hangingPunct="1">
+      <a:defRPr sz="1200" kern="1200">
+        <a:solidFill>
+          <a:schemeClr val="tx1"/>
+        </a:solidFill>
+        <a:latin typeface="+mn-lt"/>
+        <a:ea typeface="+mn-ea"/>
+        <a:cs typeface="+mn-cs"/>
+      </a:defRPr>
+    </a:lvl8pPr>
+    <a:lvl9pPr marL="3657600" algn="l" defTabSz="914400" rtl="0" eaLnBrk="1" latinLnBrk="0" hangingPunct="1">
+      <a:defRPr sz="1200" kern="1200">
+        <a:solidFill>
+          <a:schemeClr val="tx1"/>
+        </a:solidFill>
+        <a:latin typeface="+mn-lt"/>
+        <a:ea typeface="+mn-ea"/>
+        <a:cs typeface="+mn-cs"/>
+      </a:defRPr>
+    </a:lvl9pPr>
+  </p:notesStyle>
+</p:notesMaster>
 </file>
 
 <file path=ppt/slideLayouts/slideLayout1.xml><?xml version="1.0" encoding="utf-8"?>
@@ -215,7 +766,7 @@
           <a:effectLst/>
           <a:extLst>
             <a:ext uri="{91240B29-F687-4f45-9708-019B960494DF}">
-              <a14:hiddenLine xmlns:a14="http://schemas.microsoft.com/office/drawing/2010/main" xmlns="" w="9525">
+              <a14:hiddenLine xmlns="" xmlns:a14="http://schemas.microsoft.com/office/drawing/2010/main" w="9525">
                 <a:solidFill>
                   <a:srgbClr val="000000"/>
                 </a:solidFill>
@@ -405,9 +956,8 @@
           <a:bodyPr/>
           <a:lstStyle/>
           <a:p>
-            <a:fld id="{08B9EBBA-996F-894A-B54A-D6246ED52CEA}" type="datetimeFigureOut">
-              <a:rPr lang="en-US" dirty="0"/>
-              <a:pPr/>
+            <a:fld id="{AAA5EA23-EA94-47EF-9D1A-EE00D2EBB858}" type="datetime1">
+              <a:rPr lang="en-US" smtClean="0"/>
               <a:t>9/11/2020</a:t>
             </a:fld>
             <a:endParaRPr lang="en-US" dirty="0"/>
@@ -720,9 +1270,8 @@
           <a:bodyPr/>
           <a:lstStyle/>
           <a:p>
-            <a:fld id="{18C79C5D-2A6F-F04D-97DA-BEF2467B64E4}" type="datetimeFigureOut">
-              <a:rPr lang="en-US" dirty="0"/>
-              <a:pPr/>
+            <a:fld id="{F318318F-D7E1-4C3F-9A80-111AC655E171}" type="datetime1">
+              <a:rPr lang="en-US" smtClean="0"/>
               <a:t>9/11/2020</a:t>
             </a:fld>
             <a:endParaRPr lang="en-US" dirty="0"/>
@@ -1205,9 +1754,8 @@
           <a:bodyPr/>
           <a:lstStyle/>
           <a:p>
-            <a:fld id="{8DFA1846-DA80-1C48-A609-854EA85C59AD}" type="datetimeFigureOut">
-              <a:rPr lang="en-US" dirty="0"/>
-              <a:pPr/>
+            <a:fld id="{0F0BDD92-637F-4311-A23D-BEE63CDBD2E6}" type="datetime1">
+              <a:rPr lang="en-US" smtClean="0"/>
               <a:t>9/11/2020</a:t>
             </a:fld>
             <a:endParaRPr lang="en-US" dirty="0"/>
@@ -1571,9 +2119,8 @@
           <a:bodyPr/>
           <a:lstStyle/>
           <a:p>
-            <a:fld id="{FBF54567-0DE4-3F47-BF90-CB84690072F9}" type="datetimeFigureOut">
-              <a:rPr lang="en-US" dirty="0"/>
-              <a:pPr/>
+            <a:fld id="{F72C4512-080B-4111-B542-9C0548D5864C}" type="datetime1">
+              <a:rPr lang="en-US" smtClean="0"/>
               <a:t>9/11/2020</a:t>
             </a:fld>
             <a:endParaRPr lang="en-US" dirty="0"/>
@@ -1725,7 +2272,7 @@
           <a:ln/>
           <a:extLst>
             <a:ext uri="{91240B29-F687-4f45-9708-019B960494DF}">
-              <a14:hiddenLine xmlns:a14="http://schemas.microsoft.com/office/drawing/2010/main" xmlns="" w="9525">
+              <a14:hiddenLine xmlns="" xmlns:a14="http://schemas.microsoft.com/office/drawing/2010/main" w="9525">
                 <a:solidFill>
                   <a:srgbClr val="000000"/>
                 </a:solidFill>
@@ -1841,9 +2388,8 @@
           <a:bodyPr/>
           <a:lstStyle/>
           <a:p>
-            <a:fld id="{C6C52C72-DE31-F449-A4ED-4C594FD91407}" type="datetimeFigureOut">
-              <a:rPr lang="en-US" dirty="0"/>
-              <a:pPr/>
+            <a:fld id="{765ED946-6EAB-4AD0-99AD-55A8C7D5CF34}" type="datetime1">
+              <a:rPr lang="en-US" smtClean="0"/>
               <a:t>9/11/2020</a:t>
             </a:fld>
             <a:endParaRPr lang="en-US" dirty="0"/>
@@ -1997,7 +2543,7 @@
           <a:ln/>
           <a:extLst>
             <a:ext uri="{91240B29-F687-4f45-9708-019B960494DF}">
-              <a14:hiddenLine xmlns:a14="http://schemas.microsoft.com/office/drawing/2010/main" xmlns="" w="9525">
+              <a14:hiddenLine xmlns="" xmlns:a14="http://schemas.microsoft.com/office/drawing/2010/main" w="9525">
                 <a:solidFill>
                   <a:srgbClr val="000000"/>
                 </a:solidFill>
@@ -2123,9 +2669,8 @@
           <a:bodyPr/>
           <a:lstStyle/>
           <a:p>
-            <a:fld id="{ED62726E-379B-B349-9EED-81ED093FA806}" type="datetimeFigureOut">
-              <a:rPr lang="en-US" dirty="0"/>
-              <a:pPr/>
+            <a:fld id="{DC1E34B3-D783-4130-B97B-B64A9C2846B2}" type="datetime1">
+              <a:rPr lang="en-US" smtClean="0"/>
               <a:t>9/11/2020</a:t>
             </a:fld>
             <a:endParaRPr lang="en-US" dirty="0"/>
@@ -2277,7 +2822,7 @@
           <a:ln/>
           <a:extLst>
             <a:ext uri="{91240B29-F687-4f45-9708-019B960494DF}">
-              <a14:hiddenLine xmlns:a14="http://schemas.microsoft.com/office/drawing/2010/main" xmlns="" w="9525">
+              <a14:hiddenLine xmlns="" xmlns:a14="http://schemas.microsoft.com/office/drawing/2010/main" w="9525">
                 <a:solidFill>
                   <a:srgbClr val="000000"/>
                 </a:solidFill>
@@ -2403,9 +2948,8 @@
           <a:bodyPr/>
           <a:lstStyle/>
           <a:p>
-            <a:fld id="{9B3A1323-8D79-1946-B0D7-40001CF92E9D}" type="datetimeFigureOut">
-              <a:rPr lang="en-US" dirty="0"/>
-              <a:pPr/>
+            <a:fld id="{15832BB7-DC86-4E8E-82B2-CEEAE058F5CF}" type="datetime1">
+              <a:rPr lang="en-US" smtClean="0"/>
               <a:t>9/11/2020</a:t>
             </a:fld>
             <a:endParaRPr lang="en-US" dirty="0"/>
@@ -2743,9 +3287,8 @@
           <a:bodyPr/>
           <a:lstStyle/>
           <a:p>
-            <a:fld id="{8DFA1846-DA80-1C48-A609-854EA85C59AD}" type="datetimeFigureOut">
-              <a:rPr lang="en-US" dirty="0"/>
-              <a:pPr/>
+            <a:fld id="{F8E39761-FB53-4E27-ABD2-39A8FD733F3F}" type="datetime1">
+              <a:rPr lang="en-US" smtClean="0"/>
               <a:t>9/11/2020</a:t>
             </a:fld>
             <a:endParaRPr lang="en-US" dirty="0"/>
@@ -2897,7 +3440,7 @@
           <a:ln/>
           <a:extLst>
             <a:ext uri="{91240B29-F687-4f45-9708-019B960494DF}">
-              <a14:hiddenLine xmlns:a14="http://schemas.microsoft.com/office/drawing/2010/main" xmlns="" w="9525">
+              <a14:hiddenLine xmlns="" xmlns:a14="http://schemas.microsoft.com/office/drawing/2010/main" w="9525">
                 <a:solidFill>
                   <a:srgbClr val="000000"/>
                 </a:solidFill>
@@ -3079,9 +3622,8 @@
           <a:bodyPr/>
           <a:lstStyle/>
           <a:p>
-            <a:fld id="{57302355-E14B-8545-A8F8-0FE83CC9D524}" type="datetimeFigureOut">
-              <a:rPr lang="en-US" dirty="0"/>
-              <a:pPr/>
+            <a:fld id="{E3488CD4-C651-4C07-9AC1-6EB832222C53}" type="datetime1">
+              <a:rPr lang="en-US" smtClean="0"/>
               <a:t>9/11/2020</a:t>
             </a:fld>
             <a:endParaRPr lang="en-US" dirty="0"/>
@@ -3233,7 +3775,7 @@
           <a:ln/>
           <a:extLst>
             <a:ext uri="{91240B29-F687-4f45-9708-019B960494DF}">
-              <a14:hiddenLine xmlns:a14="http://schemas.microsoft.com/office/drawing/2010/main" xmlns="" w="9525">
+              <a14:hiddenLine xmlns="" xmlns:a14="http://schemas.microsoft.com/office/drawing/2010/main" w="9525">
                 <a:solidFill>
                   <a:srgbClr val="000000"/>
                 </a:solidFill>
@@ -3553,9 +4095,8 @@
           <a:bodyPr/>
           <a:lstStyle/>
           <a:p>
-            <a:fld id="{02640F58-564D-2B4F-AE67-E407BA4FCF45}" type="datetimeFigureOut">
-              <a:rPr lang="en-US" dirty="0"/>
-              <a:pPr/>
+            <a:fld id="{E706993D-80C4-4480-9F65-86F0416403C4}" type="datetime1">
+              <a:rPr lang="en-US" smtClean="0"/>
               <a:t>9/11/2020</a:t>
             </a:fld>
             <a:endParaRPr lang="en-US" dirty="0"/>
@@ -3707,7 +4248,7 @@
           <a:ln/>
           <a:extLst>
             <a:ext uri="{91240B29-F687-4f45-9708-019B960494DF}">
-              <a14:hiddenLine xmlns:a14="http://schemas.microsoft.com/office/drawing/2010/main" xmlns="" w="9525">
+              <a14:hiddenLine xmlns="" xmlns:a14="http://schemas.microsoft.com/office/drawing/2010/main" w="9525">
                 <a:solidFill>
                   <a:srgbClr val="000000"/>
                 </a:solidFill>
@@ -3771,9 +4312,8 @@
           <a:bodyPr/>
           <a:lstStyle/>
           <a:p>
-            <a:fld id="{F13A34C8-038E-2045-AF43-DF7DBB8E0E9E}" type="datetimeFigureOut">
-              <a:rPr lang="en-US" dirty="0"/>
-              <a:pPr/>
+            <a:fld id="{8930E9D9-81DE-4052-BB97-D0669F18E3C2}" type="datetime1">
+              <a:rPr lang="en-US" smtClean="0"/>
               <a:t>9/11/2020</a:t>
             </a:fld>
             <a:endParaRPr lang="en-US" dirty="0"/>
@@ -3863,9 +4403,8 @@
           <a:bodyPr/>
           <a:lstStyle/>
           <a:p>
-            <a:fld id="{8818C68F-D26B-8F47-958C-23B49CF8A634}" type="datetimeFigureOut">
-              <a:rPr lang="en-US" dirty="0"/>
-              <a:pPr/>
+            <a:fld id="{C0BFF191-D47E-4492-AD06-F4199CCED540}" type="datetime1">
+              <a:rPr lang="en-US" smtClean="0"/>
               <a:t>9/11/2020</a:t>
             </a:fld>
             <a:endParaRPr lang="en-US" dirty="0"/>
@@ -4130,7 +4669,7 @@
           <a:ln/>
           <a:extLst>
             <a:ext uri="{91240B29-F687-4f45-9708-019B960494DF}">
-              <a14:hiddenLine xmlns:a14="http://schemas.microsoft.com/office/drawing/2010/main" xmlns="" w="9525">
+              <a14:hiddenLine xmlns="" xmlns:a14="http://schemas.microsoft.com/office/drawing/2010/main" w="9525">
                 <a:solidFill>
                   <a:srgbClr val="000000"/>
                 </a:solidFill>
@@ -4327,9 +4866,8 @@
           <a:bodyPr/>
           <a:lstStyle/>
           <a:p>
-            <a:fld id="{D0DF5E60-9974-AC48-9591-99C2BB44B7CF}" type="datetimeFigureOut">
-              <a:rPr lang="en-US" dirty="0"/>
-              <a:pPr/>
+            <a:fld id="{9473DBDB-581E-4E49-9C80-86295E5D9312}" type="datetime1">
+              <a:rPr lang="en-US" smtClean="0"/>
               <a:t>9/11/2020</a:t>
             </a:fld>
             <a:endParaRPr lang="en-US" dirty="0"/>
@@ -4637,9 +5175,8 @@
           <a:bodyPr/>
           <a:lstStyle/>
           <a:p>
-            <a:fld id="{18C79C5D-2A6F-F04D-97DA-BEF2467B64E4}" type="datetimeFigureOut">
-              <a:rPr lang="en-US" dirty="0"/>
-              <a:pPr/>
+            <a:fld id="{359683DA-12EF-4225-A22E-5E0C33986BAB}" type="datetime1">
+              <a:rPr lang="en-US" smtClean="0"/>
               <a:t>9/11/2020</a:t>
             </a:fld>
             <a:endParaRPr lang="en-US" dirty="0"/>
@@ -4904,9 +5441,8 @@
             </a:lvl1pPr>
           </a:lstStyle>
           <a:p>
-            <a:fld id="{09B482E8-6E0E-1B4F-B1FD-C69DB9E858D9}" type="datetimeFigureOut">
-              <a:rPr lang="en-US" dirty="0"/>
-              <a:pPr/>
+            <a:fld id="{FF9F1381-8689-42E8-BD16-B5B311112022}" type="datetime1">
+              <a:rPr lang="en-US" smtClean="0"/>
               <a:t>9/11/2020</a:t>
             </a:fld>
             <a:endParaRPr lang="en-US" dirty="0"/>
@@ -4972,7 +5508,7 @@
     <p:sldLayoutId id="2147483658" r:id="rId13"/>
     <p:sldLayoutId id="2147483659" r:id="rId14"/>
   </p:sldLayoutIdLst>
-  <p:hf sldNum="0" hdr="0" ftr="0" dt="0"/>
+  <p:hf hdr="0" ftr="0" dt="0"/>
   <p:txStyles>
     <p:titleStyle>
       <a:lvl1pPr algn="l" defTabSz="457200" rtl="0" eaLnBrk="1" latinLnBrk="0" hangingPunct="1">
@@ -5410,6 +5946,36 @@
           </a:p>
         </p:txBody>
       </p:sp>
+      <p:sp>
+        <p:nvSpPr>
+          <p:cNvPr id="4" name="Espace réservé du numéro de diapositive 3">
+            <a:extLst>
+              <a:ext uri="{FF2B5EF4-FFF2-40B4-BE49-F238E27FC236}">
+                <a16:creationId xmlns:a16="http://schemas.microsoft.com/office/drawing/2014/main" id="{261C38C6-946D-4E02-AFD2-BA7E8A13A7A6}"/>
+              </a:ext>
+            </a:extLst>
+          </p:cNvPr>
+          <p:cNvSpPr>
+            <a:spLocks noGrp="1"/>
+          </p:cNvSpPr>
+          <p:nvPr>
+            <p:ph type="sldNum" sz="quarter" idx="12"/>
+          </p:nvPr>
+        </p:nvSpPr>
+        <p:spPr/>
+        <p:txBody>
+          <a:bodyPr/>
+          <a:lstStyle/>
+          <a:p>
+            <a:fld id="{D57F1E4F-1CFF-5643-939E-217C01CDF565}" type="slidenum">
+              <a:rPr lang="en-US" smtClean="0"/>
+              <a:pPr/>
+              <a:t>1</a:t>
+            </a:fld>
+            <a:endParaRPr lang="en-US" dirty="0"/>
+          </a:p>
+        </p:txBody>
+      </p:sp>
     </p:spTree>
     <p:extLst>
       <p:ext uri="{BB962C8B-B14F-4D97-AF65-F5344CB8AC3E}">
@@ -5660,6 +6226,36 @@
           </a:extLst>
         </p:spPr>
       </p:pic>
+      <p:sp>
+        <p:nvSpPr>
+          <p:cNvPr id="3" name="Espace réservé du numéro de diapositive 2">
+            <a:extLst>
+              <a:ext uri="{FF2B5EF4-FFF2-40B4-BE49-F238E27FC236}">
+                <a16:creationId xmlns:a16="http://schemas.microsoft.com/office/drawing/2014/main" id="{B6F59726-5ECC-4DEE-BF9C-A3E30A760841}"/>
+              </a:ext>
+            </a:extLst>
+          </p:cNvPr>
+          <p:cNvSpPr>
+            <a:spLocks noGrp="1"/>
+          </p:cNvSpPr>
+          <p:nvPr>
+            <p:ph type="sldNum" sz="quarter" idx="12"/>
+          </p:nvPr>
+        </p:nvSpPr>
+        <p:spPr/>
+        <p:txBody>
+          <a:bodyPr/>
+          <a:lstStyle/>
+          <a:p>
+            <a:fld id="{D57F1E4F-1CFF-5643-939E-217C01CDF565}" type="slidenum">
+              <a:rPr lang="en-US" smtClean="0"/>
+              <a:pPr/>
+              <a:t>10</a:t>
+            </a:fld>
+            <a:endParaRPr lang="en-US" dirty="0"/>
+          </a:p>
+        </p:txBody>
+      </p:sp>
     </p:spTree>
     <p:extLst>
       <p:ext uri="{BB962C8B-B14F-4D97-AF65-F5344CB8AC3E}">
@@ -5793,7 +6389,7 @@
           <a:effectLst/>
           <a:extLst>
             <a:ext uri="{91240B29-F687-4f45-9708-019B960494DF}">
-              <a14:hiddenLine xmlns="" xmlns:a14="http://schemas.microsoft.com/office/drawing/2010/main" xmlns:a16="http://schemas.microsoft.com/office/drawing/2014/main" w="9525">
+              <a14:hiddenLine xmlns:a16="http://schemas.microsoft.com/office/drawing/2014/main" xmlns:a14="http://schemas.microsoft.com/office/drawing/2010/main" xmlns="" w="9525">
                 <a:solidFill>
                   <a:srgbClr val="000000"/>
                 </a:solidFill>
@@ -5910,13 +6506,26 @@
           <a:p>
             <a:pPr algn="ctr"/>
             <a:r>
-              <a:rPr lang="en-US" sz="5400">
+              <a:rPr lang="en-US" sz="5400" dirty="0">
                 <a:solidFill>
                   <a:schemeClr val="tx1"/>
                 </a:solidFill>
               </a:rPr>
-              <a:t>Fin de présentation</a:t>
-            </a:r>
+              <a:t>Fin de </a:t>
+            </a:r>
+            <a:r>
+              <a:rPr lang="en-US" sz="5400" dirty="0" err="1">
+                <a:solidFill>
+                  <a:schemeClr val="tx1"/>
+                </a:solidFill>
+              </a:rPr>
+              <a:t>présentation</a:t>
+            </a:r>
+            <a:endParaRPr lang="en-US" sz="5400" dirty="0">
+              <a:solidFill>
+                <a:schemeClr val="tx1"/>
+              </a:solidFill>
+            </a:endParaRPr>
           </a:p>
         </p:txBody>
       </p:sp>
@@ -6120,7 +6729,7 @@
           <a:effectLst/>
           <a:extLst>
             <a:ext uri="{91240B29-F687-4f45-9708-019B960494DF}">
-              <a14:hiddenLine xmlns="" xmlns:a14="http://schemas.microsoft.com/office/drawing/2010/main" xmlns:p14="http://schemas.microsoft.com/office/powerpoint/2010/main" xmlns:a16="http://schemas.microsoft.com/office/drawing/2014/main" w="9525">
+              <a14:hiddenLine xmlns:a16="http://schemas.microsoft.com/office/drawing/2014/main" xmlns:p14="http://schemas.microsoft.com/office/powerpoint/2010/main" xmlns:a14="http://schemas.microsoft.com/office/drawing/2010/main" xmlns="" w="9525">
                 <a:solidFill>
                   <a:srgbClr val="000000"/>
                 </a:solidFill>
@@ -6145,6 +6754,41 @@
             <a:schemeClr val="lt1"/>
           </a:fontRef>
         </p:style>
+      </p:sp>
+      <p:sp>
+        <p:nvSpPr>
+          <p:cNvPr id="3" name="Espace réservé du numéro de diapositive 2">
+            <a:extLst>
+              <a:ext uri="{FF2B5EF4-FFF2-40B4-BE49-F238E27FC236}">
+                <a16:creationId xmlns:a16="http://schemas.microsoft.com/office/drawing/2014/main" id="{500EB6F0-ED3F-49F8-877F-778E6624B2A8}"/>
+              </a:ext>
+            </a:extLst>
+          </p:cNvPr>
+          <p:cNvSpPr>
+            <a:spLocks noGrp="1"/>
+          </p:cNvSpPr>
+          <p:nvPr>
+            <p:ph type="sldNum" sz="quarter" idx="12"/>
+          </p:nvPr>
+        </p:nvSpPr>
+        <p:spPr>
+          <a:xfrm>
+            <a:off x="11129845" y="5200650"/>
+            <a:ext cx="1062155" cy="490599"/>
+          </a:xfrm>
+        </p:spPr>
+        <p:txBody>
+          <a:bodyPr/>
+          <a:lstStyle/>
+          <a:p>
+            <a:fld id="{D57F1E4F-1CFF-5643-939E-217C01CDF565}" type="slidenum">
+              <a:rPr lang="en-US" smtClean="0"/>
+              <a:pPr/>
+              <a:t>11</a:t>
+            </a:fld>
+            <a:endParaRPr lang="en-US" dirty="0"/>
+          </a:p>
+        </p:txBody>
       </p:sp>
     </p:spTree>
     <p:extLst>
@@ -6241,6 +6885,36 @@
           </a:ln>
         </p:spPr>
       </p:pic>
+      <p:sp>
+        <p:nvSpPr>
+          <p:cNvPr id="3" name="Espace réservé du numéro de diapositive 2">
+            <a:extLst>
+              <a:ext uri="{FF2B5EF4-FFF2-40B4-BE49-F238E27FC236}">
+                <a16:creationId xmlns:a16="http://schemas.microsoft.com/office/drawing/2014/main" id="{ADDC87F7-1B76-4DEA-9002-F4A89AC8E9A2}"/>
+              </a:ext>
+            </a:extLst>
+          </p:cNvPr>
+          <p:cNvSpPr>
+            <a:spLocks noGrp="1"/>
+          </p:cNvSpPr>
+          <p:nvPr>
+            <p:ph type="sldNum" sz="quarter" idx="12"/>
+          </p:nvPr>
+        </p:nvSpPr>
+        <p:spPr/>
+        <p:txBody>
+          <a:bodyPr/>
+          <a:lstStyle/>
+          <a:p>
+            <a:fld id="{D57F1E4F-1CFF-5643-939E-217C01CDF565}" type="slidenum">
+              <a:rPr lang="en-US" smtClean="0"/>
+              <a:pPr/>
+              <a:t>12</a:t>
+            </a:fld>
+            <a:endParaRPr lang="en-US" dirty="0"/>
+          </a:p>
+        </p:txBody>
+      </p:sp>
     </p:spTree>
     <p:extLst>
       <p:ext uri="{BB962C8B-B14F-4D97-AF65-F5344CB8AC3E}">
@@ -6329,6 +7003,49 @@
           </a:prstGeom>
         </p:spPr>
       </p:pic>
+      <p:sp>
+        <p:nvSpPr>
+          <p:cNvPr id="3" name="Espace réservé du numéro de diapositive 2">
+            <a:extLst>
+              <a:ext uri="{FF2B5EF4-FFF2-40B4-BE49-F238E27FC236}">
+                <a16:creationId xmlns:a16="http://schemas.microsoft.com/office/drawing/2014/main" id="{D10F109E-C628-447A-8F16-BB0B6DF36DC1}"/>
+              </a:ext>
+            </a:extLst>
+          </p:cNvPr>
+          <p:cNvSpPr>
+            <a:spLocks noGrp="1"/>
+          </p:cNvSpPr>
+          <p:nvPr>
+            <p:ph type="sldNum" sz="quarter" idx="12"/>
+          </p:nvPr>
+        </p:nvSpPr>
+        <p:spPr>
+          <a:xfrm>
+            <a:off x="11129845" y="6367401"/>
+            <a:ext cx="1062155" cy="490599"/>
+          </a:xfrm>
+        </p:spPr>
+        <p:txBody>
+          <a:bodyPr/>
+          <a:lstStyle/>
+          <a:p>
+            <a:fld id="{D57F1E4F-1CFF-5643-939E-217C01CDF565}" type="slidenum">
+              <a:rPr lang="en-US" smtClean="0">
+                <a:solidFill>
+                  <a:schemeClr val="bg1"/>
+                </a:solidFill>
+              </a:rPr>
+              <a:pPr/>
+              <a:t>13</a:t>
+            </a:fld>
+            <a:endParaRPr lang="en-US" dirty="0">
+              <a:solidFill>
+                <a:schemeClr val="bg1"/>
+              </a:solidFill>
+            </a:endParaRPr>
+          </a:p>
+        </p:txBody>
+      </p:sp>
     </p:spTree>
     <p:extLst>
       <p:ext uri="{BB962C8B-B14F-4D97-AF65-F5344CB8AC3E}">
@@ -6447,6 +7164,36 @@
           </a:prstGeom>
         </p:spPr>
       </p:pic>
+      <p:sp>
+        <p:nvSpPr>
+          <p:cNvPr id="3" name="Espace réservé du numéro de diapositive 2">
+            <a:extLst>
+              <a:ext uri="{FF2B5EF4-FFF2-40B4-BE49-F238E27FC236}">
+                <a16:creationId xmlns:a16="http://schemas.microsoft.com/office/drawing/2014/main" id="{846A4CBA-1AA1-421A-BC61-678BF80BB4DA}"/>
+              </a:ext>
+            </a:extLst>
+          </p:cNvPr>
+          <p:cNvSpPr>
+            <a:spLocks noGrp="1"/>
+          </p:cNvSpPr>
+          <p:nvPr>
+            <p:ph type="sldNum" sz="quarter" idx="12"/>
+          </p:nvPr>
+        </p:nvSpPr>
+        <p:spPr/>
+        <p:txBody>
+          <a:bodyPr/>
+          <a:lstStyle/>
+          <a:p>
+            <a:fld id="{D57F1E4F-1CFF-5643-939E-217C01CDF565}" type="slidenum">
+              <a:rPr lang="en-US" smtClean="0"/>
+              <a:pPr/>
+              <a:t>14</a:t>
+            </a:fld>
+            <a:endParaRPr lang="en-US" dirty="0"/>
+          </a:p>
+        </p:txBody>
+      </p:sp>
     </p:spTree>
     <p:extLst>
       <p:ext uri="{BB962C8B-B14F-4D97-AF65-F5344CB8AC3E}">
@@ -6561,6 +7308,36 @@
               <a:rPr lang="fr-FR" sz="2400" dirty="0"/>
               <a:t>Faisabilité financière</a:t>
             </a:r>
+          </a:p>
+        </p:txBody>
+      </p:sp>
+      <p:sp>
+        <p:nvSpPr>
+          <p:cNvPr id="4" name="Espace réservé du numéro de diapositive 3">
+            <a:extLst>
+              <a:ext uri="{FF2B5EF4-FFF2-40B4-BE49-F238E27FC236}">
+                <a16:creationId xmlns:a16="http://schemas.microsoft.com/office/drawing/2014/main" id="{A24D41D3-897B-484A-9E1D-0B629F21E79D}"/>
+              </a:ext>
+            </a:extLst>
+          </p:cNvPr>
+          <p:cNvSpPr>
+            <a:spLocks noGrp="1"/>
+          </p:cNvSpPr>
+          <p:nvPr>
+            <p:ph type="sldNum" sz="quarter" idx="12"/>
+          </p:nvPr>
+        </p:nvSpPr>
+        <p:spPr/>
+        <p:txBody>
+          <a:bodyPr/>
+          <a:lstStyle/>
+          <a:p>
+            <a:fld id="{D57F1E4F-1CFF-5643-939E-217C01CDF565}" type="slidenum">
+              <a:rPr lang="en-US" smtClean="0"/>
+              <a:pPr/>
+              <a:t>2</a:t>
+            </a:fld>
+            <a:endParaRPr lang="en-US" dirty="0"/>
           </a:p>
         </p:txBody>
       </p:sp>
@@ -6981,6 +7758,36 @@
           </a:p>
         </p:txBody>
       </p:sp>
+      <p:sp>
+        <p:nvSpPr>
+          <p:cNvPr id="5" name="Espace réservé du numéro de diapositive 4">
+            <a:extLst>
+              <a:ext uri="{FF2B5EF4-FFF2-40B4-BE49-F238E27FC236}">
+                <a16:creationId xmlns:a16="http://schemas.microsoft.com/office/drawing/2014/main" id="{B52958F1-AEA5-4551-94C3-B485071A0943}"/>
+              </a:ext>
+            </a:extLst>
+          </p:cNvPr>
+          <p:cNvSpPr>
+            <a:spLocks noGrp="1"/>
+          </p:cNvSpPr>
+          <p:nvPr>
+            <p:ph type="sldNum" sz="quarter" idx="12"/>
+          </p:nvPr>
+        </p:nvSpPr>
+        <p:spPr/>
+        <p:txBody>
+          <a:bodyPr/>
+          <a:lstStyle/>
+          <a:p>
+            <a:fld id="{D57F1E4F-1CFF-5643-939E-217C01CDF565}" type="slidenum">
+              <a:rPr lang="en-US" smtClean="0"/>
+              <a:pPr/>
+              <a:t>3</a:t>
+            </a:fld>
+            <a:endParaRPr lang="en-US" dirty="0"/>
+          </a:p>
+        </p:txBody>
+      </p:sp>
     </p:spTree>
     <p:extLst>
       <p:ext uri="{BB962C8B-B14F-4D97-AF65-F5344CB8AC3E}">
@@ -8298,6 +9105,36 @@
           </a:p>
         </p:txBody>
       </p:sp>
+      <p:sp>
+        <p:nvSpPr>
+          <p:cNvPr id="6" name="Espace réservé du numéro de diapositive 5">
+            <a:extLst>
+              <a:ext uri="{FF2B5EF4-FFF2-40B4-BE49-F238E27FC236}">
+                <a16:creationId xmlns:a16="http://schemas.microsoft.com/office/drawing/2014/main" id="{C13CC502-E0EA-448A-BB51-04FB942B5A87}"/>
+              </a:ext>
+            </a:extLst>
+          </p:cNvPr>
+          <p:cNvSpPr>
+            <a:spLocks noGrp="1"/>
+          </p:cNvSpPr>
+          <p:nvPr>
+            <p:ph type="sldNum" sz="quarter" idx="12"/>
+          </p:nvPr>
+        </p:nvSpPr>
+        <p:spPr/>
+        <p:txBody>
+          <a:bodyPr/>
+          <a:lstStyle/>
+          <a:p>
+            <a:fld id="{D57F1E4F-1CFF-5643-939E-217C01CDF565}" type="slidenum">
+              <a:rPr lang="en-US" smtClean="0"/>
+              <a:pPr/>
+              <a:t>4</a:t>
+            </a:fld>
+            <a:endParaRPr lang="en-US" dirty="0"/>
+          </a:p>
+        </p:txBody>
+      </p:sp>
     </p:spTree>
     <p:extLst>
       <p:ext uri="{BB962C8B-B14F-4D97-AF65-F5344CB8AC3E}">
@@ -9536,6 +10373,36 @@
           </a:fontRef>
         </p:style>
       </p:cxnSp>
+      <p:sp>
+        <p:nvSpPr>
+          <p:cNvPr id="13" name="Espace réservé du numéro de diapositive 12">
+            <a:extLst>
+              <a:ext uri="{FF2B5EF4-FFF2-40B4-BE49-F238E27FC236}">
+                <a16:creationId xmlns:a16="http://schemas.microsoft.com/office/drawing/2014/main" id="{72F98A9F-ABCD-454B-9518-538CC94419D3}"/>
+              </a:ext>
+            </a:extLst>
+          </p:cNvPr>
+          <p:cNvSpPr>
+            <a:spLocks noGrp="1"/>
+          </p:cNvSpPr>
+          <p:nvPr>
+            <p:ph type="sldNum" sz="quarter" idx="12"/>
+          </p:nvPr>
+        </p:nvSpPr>
+        <p:spPr/>
+        <p:txBody>
+          <a:bodyPr/>
+          <a:lstStyle/>
+          <a:p>
+            <a:fld id="{D57F1E4F-1CFF-5643-939E-217C01CDF565}" type="slidenum">
+              <a:rPr lang="en-US" smtClean="0"/>
+              <a:pPr/>
+              <a:t>5</a:t>
+            </a:fld>
+            <a:endParaRPr lang="en-US" dirty="0"/>
+          </a:p>
+        </p:txBody>
+      </p:sp>
     </p:spTree>
     <p:extLst>
       <p:ext uri="{BB962C8B-B14F-4D97-AF65-F5344CB8AC3E}">
@@ -9670,6 +10537,36 @@
           </a:ln>
         </p:spPr>
       </p:pic>
+      <p:sp>
+        <p:nvSpPr>
+          <p:cNvPr id="3" name="Espace réservé du numéro de diapositive 2">
+            <a:extLst>
+              <a:ext uri="{FF2B5EF4-FFF2-40B4-BE49-F238E27FC236}">
+                <a16:creationId xmlns:a16="http://schemas.microsoft.com/office/drawing/2014/main" id="{B8258D91-B485-44D4-AD68-370BE51C04DC}"/>
+              </a:ext>
+            </a:extLst>
+          </p:cNvPr>
+          <p:cNvSpPr>
+            <a:spLocks noGrp="1"/>
+          </p:cNvSpPr>
+          <p:nvPr>
+            <p:ph type="sldNum" sz="quarter" idx="12"/>
+          </p:nvPr>
+        </p:nvSpPr>
+        <p:spPr/>
+        <p:txBody>
+          <a:bodyPr/>
+          <a:lstStyle/>
+          <a:p>
+            <a:fld id="{D57F1E4F-1CFF-5643-939E-217C01CDF565}" type="slidenum">
+              <a:rPr lang="en-US" smtClean="0"/>
+              <a:pPr/>
+              <a:t>6</a:t>
+            </a:fld>
+            <a:endParaRPr lang="en-US" dirty="0"/>
+          </a:p>
+        </p:txBody>
+      </p:sp>
     </p:spTree>
     <p:extLst>
       <p:ext uri="{BB962C8B-B14F-4D97-AF65-F5344CB8AC3E}">
@@ -10395,6 +11292,36 @@
           </a:p>
         </p:txBody>
       </p:sp>
+      <p:sp>
+        <p:nvSpPr>
+          <p:cNvPr id="12" name="Espace réservé du numéro de diapositive 11">
+            <a:extLst>
+              <a:ext uri="{FF2B5EF4-FFF2-40B4-BE49-F238E27FC236}">
+                <a16:creationId xmlns:a16="http://schemas.microsoft.com/office/drawing/2014/main" id="{DAF0E9FC-DF8F-404B-A348-F47429E7E1FA}"/>
+              </a:ext>
+            </a:extLst>
+          </p:cNvPr>
+          <p:cNvSpPr>
+            <a:spLocks noGrp="1"/>
+          </p:cNvSpPr>
+          <p:nvPr>
+            <p:ph type="sldNum" sz="quarter" idx="12"/>
+          </p:nvPr>
+        </p:nvSpPr>
+        <p:spPr/>
+        <p:txBody>
+          <a:bodyPr/>
+          <a:lstStyle/>
+          <a:p>
+            <a:fld id="{D57F1E4F-1CFF-5643-939E-217C01CDF565}" type="slidenum">
+              <a:rPr lang="en-US" smtClean="0"/>
+              <a:pPr/>
+              <a:t>7</a:t>
+            </a:fld>
+            <a:endParaRPr lang="en-US" dirty="0"/>
+          </a:p>
+        </p:txBody>
+      </p:sp>
     </p:spTree>
     <p:extLst>
       <p:ext uri="{BB962C8B-B14F-4D97-AF65-F5344CB8AC3E}">
@@ -10513,6 +11440,36 @@
           </a:prstGeom>
         </p:spPr>
       </p:pic>
+      <p:sp>
+        <p:nvSpPr>
+          <p:cNvPr id="3" name="Espace réservé du numéro de diapositive 2">
+            <a:extLst>
+              <a:ext uri="{FF2B5EF4-FFF2-40B4-BE49-F238E27FC236}">
+                <a16:creationId xmlns:a16="http://schemas.microsoft.com/office/drawing/2014/main" id="{28882441-AD20-40AA-A7AF-C05BC8AD4D4A}"/>
+              </a:ext>
+            </a:extLst>
+          </p:cNvPr>
+          <p:cNvSpPr>
+            <a:spLocks noGrp="1"/>
+          </p:cNvSpPr>
+          <p:nvPr>
+            <p:ph type="sldNum" sz="quarter" idx="12"/>
+          </p:nvPr>
+        </p:nvSpPr>
+        <p:spPr/>
+        <p:txBody>
+          <a:bodyPr/>
+          <a:lstStyle/>
+          <a:p>
+            <a:fld id="{D57F1E4F-1CFF-5643-939E-217C01CDF565}" type="slidenum">
+              <a:rPr lang="en-US" smtClean="0"/>
+              <a:pPr/>
+              <a:t>8</a:t>
+            </a:fld>
+            <a:endParaRPr lang="en-US" dirty="0"/>
+          </a:p>
+        </p:txBody>
+      </p:sp>
     </p:spTree>
     <p:extLst>
       <p:ext uri="{BB962C8B-B14F-4D97-AF65-F5344CB8AC3E}">
@@ -10824,7 +11781,7 @@
           <a:effectLst/>
           <a:extLst>
             <a:ext uri="{91240B29-F687-4f45-9708-019B960494DF}">
-              <a14:hiddenLine xmlns:a16="http://schemas.microsoft.com/office/drawing/2014/main" xmlns:p14="http://schemas.microsoft.com/office/powerpoint/2010/main" xmlns:a14="http://schemas.microsoft.com/office/drawing/2010/main" xmlns="" w="9525">
+              <a14:hiddenLine xmlns="" xmlns:a14="http://schemas.microsoft.com/office/drawing/2010/main" xmlns:p14="http://schemas.microsoft.com/office/powerpoint/2010/main" xmlns:a16="http://schemas.microsoft.com/office/drawing/2014/main" w="9525">
                 <a:solidFill>
                   <a:srgbClr val="000000"/>
                 </a:solidFill>
@@ -11147,6 +12104,36 @@
               </a:rPr>
               <a:t>Idée</a:t>
             </a:r>
+          </a:p>
+        </p:txBody>
+      </p:sp>
+      <p:sp>
+        <p:nvSpPr>
+          <p:cNvPr id="4" name="Espace réservé du numéro de diapositive 3">
+            <a:extLst>
+              <a:ext uri="{FF2B5EF4-FFF2-40B4-BE49-F238E27FC236}">
+                <a16:creationId xmlns:a16="http://schemas.microsoft.com/office/drawing/2014/main" id="{F4824085-5C5F-4EAD-8624-AE5D863CDD0B}"/>
+              </a:ext>
+            </a:extLst>
+          </p:cNvPr>
+          <p:cNvSpPr>
+            <a:spLocks noGrp="1"/>
+          </p:cNvSpPr>
+          <p:nvPr>
+            <p:ph type="sldNum" sz="quarter" idx="12"/>
+          </p:nvPr>
+        </p:nvSpPr>
+        <p:spPr/>
+        <p:txBody>
+          <a:bodyPr/>
+          <a:lstStyle/>
+          <a:p>
+            <a:fld id="{D57F1E4F-1CFF-5643-939E-217C01CDF565}" type="slidenum">
+              <a:rPr lang="en-US" smtClean="0"/>
+              <a:pPr/>
+              <a:t>9</a:t>
+            </a:fld>
+            <a:endParaRPr lang="en-US" dirty="0"/>
           </a:p>
         </p:txBody>
       </p:sp>
@@ -11398,4 +12385,594 @@
     </a:ext>
   </a:extLst>
 </a:theme>
+</file>
+
+<file path=ppt/theme/theme2.xml><?xml version="1.0" encoding="utf-8"?>
+<a:theme xmlns:a="http://schemas.openxmlformats.org/drawingml/2006/main" name="Thème Office">
+  <a:themeElements>
+    <a:clrScheme name="Office">
+      <a:dk1>
+        <a:sysClr val="windowText" lastClr="000000"/>
+      </a:dk1>
+      <a:lt1>
+        <a:sysClr val="window" lastClr="FFFFFF"/>
+      </a:lt1>
+      <a:dk2>
+        <a:srgbClr val="44546A"/>
+      </a:dk2>
+      <a:lt2>
+        <a:srgbClr val="E7E6E6"/>
+      </a:lt2>
+      <a:accent1>
+        <a:srgbClr val="4472C4"/>
+      </a:accent1>
+      <a:accent2>
+        <a:srgbClr val="ED7D31"/>
+      </a:accent2>
+      <a:accent3>
+        <a:srgbClr val="A5A5A5"/>
+      </a:accent3>
+      <a:accent4>
+        <a:srgbClr val="FFC000"/>
+      </a:accent4>
+      <a:accent5>
+        <a:srgbClr val="5B9BD5"/>
+      </a:accent5>
+      <a:accent6>
+        <a:srgbClr val="70AD47"/>
+      </a:accent6>
+      <a:hlink>
+        <a:srgbClr val="0563C1"/>
+      </a:hlink>
+      <a:folHlink>
+        <a:srgbClr val="954F72"/>
+      </a:folHlink>
+    </a:clrScheme>
+    <a:fontScheme name="Office">
+      <a:majorFont>
+        <a:latin typeface="Calibri Light" panose="020F0302020204030204"/>
+        <a:ea typeface=""/>
+        <a:cs typeface=""/>
+        <a:font script="Jpan" typeface="游ゴシック Light"/>
+        <a:font script="Hang" typeface="맑은 고딕"/>
+        <a:font script="Hans" typeface="等线 Light"/>
+        <a:font script="Hant" typeface="新細明體"/>
+        <a:font script="Arab" typeface="Times New Roman"/>
+        <a:font script="Hebr" typeface="Times New Roman"/>
+        <a:font script="Thai" typeface="Angsana New"/>
+        <a:font script="Ethi" typeface="Nyala"/>
+        <a:font script="Beng" typeface="Vrinda"/>
+        <a:font script="Gujr" typeface="Shruti"/>
+        <a:font script="Khmr" typeface="MoolBoran"/>
+        <a:font script="Knda" typeface="Tunga"/>
+        <a:font script="Guru" typeface="Raavi"/>
+        <a:font script="Cans" typeface="Euphemia"/>
+        <a:font script="Cher" typeface="Plantagenet Cherokee"/>
+        <a:font script="Yiii" typeface="Microsoft Yi Baiti"/>
+        <a:font script="Tibt" typeface="Microsoft Himalaya"/>
+        <a:font script="Thaa" typeface="MV Boli"/>
+        <a:font script="Deva" typeface="Mangal"/>
+        <a:font script="Telu" typeface="Gautami"/>
+        <a:font script="Taml" typeface="Latha"/>
+        <a:font script="Syrc" typeface="Estrangelo Edessa"/>
+        <a:font script="Orya" typeface="Kalinga"/>
+        <a:font script="Mlym" typeface="Kartika"/>
+        <a:font script="Laoo" typeface="DokChampa"/>
+        <a:font script="Sinh" typeface="Iskoola Pota"/>
+        <a:font script="Mong" typeface="Mongolian Baiti"/>
+        <a:font script="Viet" typeface="Times New Roman"/>
+        <a:font script="Uigh" typeface="Microsoft Uighur"/>
+        <a:font script="Geor" typeface="Sylfaen"/>
+        <a:font script="Armn" typeface="Arial"/>
+        <a:font script="Bugi" typeface="Leelawadee UI"/>
+        <a:font script="Bopo" typeface="Microsoft JhengHei"/>
+        <a:font script="Java" typeface="Javanese Text"/>
+        <a:font script="Lisu" typeface="Segoe UI"/>
+        <a:font script="Mymr" typeface="Myanmar Text"/>
+        <a:font script="Nkoo" typeface="Ebrima"/>
+        <a:font script="Olck" typeface="Nirmala UI"/>
+        <a:font script="Osma" typeface="Ebrima"/>
+        <a:font script="Phag" typeface="Phagspa"/>
+        <a:font script="Syrn" typeface="Estrangelo Edessa"/>
+        <a:font script="Syrj" typeface="Estrangelo Edessa"/>
+        <a:font script="Syre" typeface="Estrangelo Edessa"/>
+        <a:font script="Sora" typeface="Nirmala UI"/>
+        <a:font script="Tale" typeface="Microsoft Tai Le"/>
+        <a:font script="Talu" typeface="Microsoft New Tai Lue"/>
+        <a:font script="Tfng" typeface="Ebrima"/>
+      </a:majorFont>
+      <a:minorFont>
+        <a:latin typeface="Calibri" panose="020F0502020204030204"/>
+        <a:ea typeface=""/>
+        <a:cs typeface=""/>
+        <a:font script="Jpan" typeface="游ゴシック"/>
+        <a:font script="Hang" typeface="맑은 고딕"/>
+        <a:font script="Hans" typeface="等线"/>
+        <a:font script="Hant" typeface="新細明體"/>
+        <a:font script="Arab" typeface="Arial"/>
+        <a:font script="Hebr" typeface="Arial"/>
+        <a:font script="Thai" typeface="Cordia New"/>
+        <a:font script="Ethi" typeface="Nyala"/>
+        <a:font script="Beng" typeface="Vrinda"/>
+        <a:font script="Gujr" typeface="Shruti"/>
+        <a:font script="Khmr" typeface="DaunPenh"/>
+        <a:font script="Knda" typeface="Tunga"/>
+        <a:font script="Guru" typeface="Raavi"/>
+        <a:font script="Cans" typeface="Euphemia"/>
+        <a:font script="Cher" typeface="Plantagenet Cherokee"/>
+        <a:font script="Yiii" typeface="Microsoft Yi Baiti"/>
+        <a:font script="Tibt" typeface="Microsoft Himalaya"/>
+        <a:font script="Thaa" typeface="MV Boli"/>
+        <a:font script="Deva" typeface="Mangal"/>
+        <a:font script="Telu" typeface="Gautami"/>
+        <a:font script="Taml" typeface="Latha"/>
+        <a:font script="Syrc" typeface="Estrangelo Edessa"/>
+        <a:font script="Orya" typeface="Kalinga"/>
+        <a:font script="Mlym" typeface="Kartika"/>
+        <a:font script="Laoo" typeface="DokChampa"/>
+        <a:font script="Sinh" typeface="Iskoola Pota"/>
+        <a:font script="Mong" typeface="Mongolian Baiti"/>
+        <a:font script="Viet" typeface="Arial"/>
+        <a:font script="Uigh" typeface="Microsoft Uighur"/>
+        <a:font script="Geor" typeface="Sylfaen"/>
+        <a:font script="Armn" typeface="Arial"/>
+        <a:font script="Bugi" typeface="Leelawadee UI"/>
+        <a:font script="Bopo" typeface="Microsoft JhengHei"/>
+        <a:font script="Java" typeface="Javanese Text"/>
+        <a:font script="Lisu" typeface="Segoe UI"/>
+        <a:font script="Mymr" typeface="Myanmar Text"/>
+        <a:font script="Nkoo" typeface="Ebrima"/>
+        <a:font script="Olck" typeface="Nirmala UI"/>
+        <a:font script="Osma" typeface="Ebrima"/>
+        <a:font script="Phag" typeface="Phagspa"/>
+        <a:font script="Syrn" typeface="Estrangelo Edessa"/>
+        <a:font script="Syrj" typeface="Estrangelo Edessa"/>
+        <a:font script="Syre" typeface="Estrangelo Edessa"/>
+        <a:font script="Sora" typeface="Nirmala UI"/>
+        <a:font script="Tale" typeface="Microsoft Tai Le"/>
+        <a:font script="Talu" typeface="Microsoft New Tai Lue"/>
+        <a:font script="Tfng" typeface="Ebrima"/>
+      </a:minorFont>
+    </a:fontScheme>
+    <a:fmtScheme name="Office">
+      <a:fillStyleLst>
+        <a:solidFill>
+          <a:schemeClr val="phClr"/>
+        </a:solidFill>
+        <a:gradFill rotWithShape="1">
+          <a:gsLst>
+            <a:gs pos="0">
+              <a:schemeClr val="phClr">
+                <a:lumMod val="110000"/>
+                <a:satMod val="105000"/>
+                <a:tint val="67000"/>
+              </a:schemeClr>
+            </a:gs>
+            <a:gs pos="50000">
+              <a:schemeClr val="phClr">
+                <a:lumMod val="105000"/>
+                <a:satMod val="103000"/>
+                <a:tint val="73000"/>
+              </a:schemeClr>
+            </a:gs>
+            <a:gs pos="100000">
+              <a:schemeClr val="phClr">
+                <a:lumMod val="105000"/>
+                <a:satMod val="109000"/>
+                <a:tint val="81000"/>
+              </a:schemeClr>
+            </a:gs>
+          </a:gsLst>
+          <a:lin ang="5400000" scaled="0"/>
+        </a:gradFill>
+        <a:gradFill rotWithShape="1">
+          <a:gsLst>
+            <a:gs pos="0">
+              <a:schemeClr val="phClr">
+                <a:satMod val="103000"/>
+                <a:lumMod val="102000"/>
+                <a:tint val="94000"/>
+              </a:schemeClr>
+            </a:gs>
+            <a:gs pos="50000">
+              <a:schemeClr val="phClr">
+                <a:satMod val="110000"/>
+                <a:lumMod val="100000"/>
+                <a:shade val="100000"/>
+              </a:schemeClr>
+            </a:gs>
+            <a:gs pos="100000">
+              <a:schemeClr val="phClr">
+                <a:lumMod val="99000"/>
+                <a:satMod val="120000"/>
+                <a:shade val="78000"/>
+              </a:schemeClr>
+            </a:gs>
+          </a:gsLst>
+          <a:lin ang="5400000" scaled="0"/>
+        </a:gradFill>
+      </a:fillStyleLst>
+      <a:lnStyleLst>
+        <a:ln w="6350" cap="flat" cmpd="sng" algn="ctr">
+          <a:solidFill>
+            <a:schemeClr val="phClr"/>
+          </a:solidFill>
+          <a:prstDash val="solid"/>
+          <a:miter lim="800000"/>
+        </a:ln>
+        <a:ln w="12700" cap="flat" cmpd="sng" algn="ctr">
+          <a:solidFill>
+            <a:schemeClr val="phClr"/>
+          </a:solidFill>
+          <a:prstDash val="solid"/>
+          <a:miter lim="800000"/>
+        </a:ln>
+        <a:ln w="19050" cap="flat" cmpd="sng" algn="ctr">
+          <a:solidFill>
+            <a:schemeClr val="phClr"/>
+          </a:solidFill>
+          <a:prstDash val="solid"/>
+          <a:miter lim="800000"/>
+        </a:ln>
+      </a:lnStyleLst>
+      <a:effectStyleLst>
+        <a:effectStyle>
+          <a:effectLst/>
+        </a:effectStyle>
+        <a:effectStyle>
+          <a:effectLst/>
+        </a:effectStyle>
+        <a:effectStyle>
+          <a:effectLst>
+            <a:outerShdw blurRad="57150" dist="19050" dir="5400000" algn="ctr" rotWithShape="0">
+              <a:srgbClr val="000000">
+                <a:alpha val="63000"/>
+              </a:srgbClr>
+            </a:outerShdw>
+          </a:effectLst>
+        </a:effectStyle>
+      </a:effectStyleLst>
+      <a:bgFillStyleLst>
+        <a:solidFill>
+          <a:schemeClr val="phClr"/>
+        </a:solidFill>
+        <a:solidFill>
+          <a:schemeClr val="phClr">
+            <a:tint val="95000"/>
+            <a:satMod val="170000"/>
+          </a:schemeClr>
+        </a:solidFill>
+        <a:gradFill rotWithShape="1">
+          <a:gsLst>
+            <a:gs pos="0">
+              <a:schemeClr val="phClr">
+                <a:tint val="93000"/>
+                <a:satMod val="150000"/>
+                <a:shade val="98000"/>
+                <a:lumMod val="102000"/>
+              </a:schemeClr>
+            </a:gs>
+            <a:gs pos="50000">
+              <a:schemeClr val="phClr">
+                <a:tint val="98000"/>
+                <a:satMod val="130000"/>
+                <a:shade val="90000"/>
+                <a:lumMod val="103000"/>
+              </a:schemeClr>
+            </a:gs>
+            <a:gs pos="100000">
+              <a:schemeClr val="phClr">
+                <a:shade val="63000"/>
+                <a:satMod val="120000"/>
+              </a:schemeClr>
+            </a:gs>
+          </a:gsLst>
+          <a:lin ang="5400000" scaled="0"/>
+        </a:gradFill>
+      </a:bgFillStyleLst>
+    </a:fmtScheme>
+  </a:themeElements>
+  <a:objectDefaults/>
+  <a:extraClrSchemeLst/>
+  <a:extLst>
+    <a:ext uri="{05A4C25C-085E-4340-85A3-A5531E510DB2}">
+      <thm15:themeFamily xmlns:thm15="http://schemas.microsoft.com/office/thememl/2012/main" name="Office Theme" id="{62F939B6-93AF-4DB8-9C6B-D6C7DFDC589F}" vid="{4A3C46E8-61CC-4603-A589-7422A47A8E4A}"/>
+    </a:ext>
+  </a:extLst>
+</a:theme>
+</file>
+
+<file path=ppt/theme/theme3.xml><?xml version="1.0" encoding="utf-8"?>
+<a:theme xmlns:a="http://schemas.openxmlformats.org/drawingml/2006/main" name="Thème Office">
+  <a:themeElements>
+    <a:clrScheme name="Office">
+      <a:dk1>
+        <a:sysClr val="windowText" lastClr="000000"/>
+      </a:dk1>
+      <a:lt1>
+        <a:sysClr val="window" lastClr="FFFFFF"/>
+      </a:lt1>
+      <a:dk2>
+        <a:srgbClr val="44546A"/>
+      </a:dk2>
+      <a:lt2>
+        <a:srgbClr val="E7E6E6"/>
+      </a:lt2>
+      <a:accent1>
+        <a:srgbClr val="4472C4"/>
+      </a:accent1>
+      <a:accent2>
+        <a:srgbClr val="ED7D31"/>
+      </a:accent2>
+      <a:accent3>
+        <a:srgbClr val="A5A5A5"/>
+      </a:accent3>
+      <a:accent4>
+        <a:srgbClr val="FFC000"/>
+      </a:accent4>
+      <a:accent5>
+        <a:srgbClr val="5B9BD5"/>
+      </a:accent5>
+      <a:accent6>
+        <a:srgbClr val="70AD47"/>
+      </a:accent6>
+      <a:hlink>
+        <a:srgbClr val="0563C1"/>
+      </a:hlink>
+      <a:folHlink>
+        <a:srgbClr val="954F72"/>
+      </a:folHlink>
+    </a:clrScheme>
+    <a:fontScheme name="Office">
+      <a:majorFont>
+        <a:latin typeface="Calibri Light" panose="020F0302020204030204"/>
+        <a:ea typeface=""/>
+        <a:cs typeface=""/>
+        <a:font script="Jpan" typeface="游ゴシック Light"/>
+        <a:font script="Hang" typeface="맑은 고딕"/>
+        <a:font script="Hans" typeface="等线 Light"/>
+        <a:font script="Hant" typeface="新細明體"/>
+        <a:font script="Arab" typeface="Times New Roman"/>
+        <a:font script="Hebr" typeface="Times New Roman"/>
+        <a:font script="Thai" typeface="Angsana New"/>
+        <a:font script="Ethi" typeface="Nyala"/>
+        <a:font script="Beng" typeface="Vrinda"/>
+        <a:font script="Gujr" typeface="Shruti"/>
+        <a:font script="Khmr" typeface="MoolBoran"/>
+        <a:font script="Knda" typeface="Tunga"/>
+        <a:font script="Guru" typeface="Raavi"/>
+        <a:font script="Cans" typeface="Euphemia"/>
+        <a:font script="Cher" typeface="Plantagenet Cherokee"/>
+        <a:font script="Yiii" typeface="Microsoft Yi Baiti"/>
+        <a:font script="Tibt" typeface="Microsoft Himalaya"/>
+        <a:font script="Thaa" typeface="MV Boli"/>
+        <a:font script="Deva" typeface="Mangal"/>
+        <a:font script="Telu" typeface="Gautami"/>
+        <a:font script="Taml" typeface="Latha"/>
+        <a:font script="Syrc" typeface="Estrangelo Edessa"/>
+        <a:font script="Orya" typeface="Kalinga"/>
+        <a:font script="Mlym" typeface="Kartika"/>
+        <a:font script="Laoo" typeface="DokChampa"/>
+        <a:font script="Sinh" typeface="Iskoola Pota"/>
+        <a:font script="Mong" typeface="Mongolian Baiti"/>
+        <a:font script="Viet" typeface="Times New Roman"/>
+        <a:font script="Uigh" typeface="Microsoft Uighur"/>
+        <a:font script="Geor" typeface="Sylfaen"/>
+        <a:font script="Armn" typeface="Arial"/>
+        <a:font script="Bugi" typeface="Leelawadee UI"/>
+        <a:font script="Bopo" typeface="Microsoft JhengHei"/>
+        <a:font script="Java" typeface="Javanese Text"/>
+        <a:font script="Lisu" typeface="Segoe UI"/>
+        <a:font script="Mymr" typeface="Myanmar Text"/>
+        <a:font script="Nkoo" typeface="Ebrima"/>
+        <a:font script="Olck" typeface="Nirmala UI"/>
+        <a:font script="Osma" typeface="Ebrima"/>
+        <a:font script="Phag" typeface="Phagspa"/>
+        <a:font script="Syrn" typeface="Estrangelo Edessa"/>
+        <a:font script="Syrj" typeface="Estrangelo Edessa"/>
+        <a:font script="Syre" typeface="Estrangelo Edessa"/>
+        <a:font script="Sora" typeface="Nirmala UI"/>
+        <a:font script="Tale" typeface="Microsoft Tai Le"/>
+        <a:font script="Talu" typeface="Microsoft New Tai Lue"/>
+        <a:font script="Tfng" typeface="Ebrima"/>
+      </a:majorFont>
+      <a:minorFont>
+        <a:latin typeface="Calibri" panose="020F0502020204030204"/>
+        <a:ea typeface=""/>
+        <a:cs typeface=""/>
+        <a:font script="Jpan" typeface="游ゴシック"/>
+        <a:font script="Hang" typeface="맑은 고딕"/>
+        <a:font script="Hans" typeface="等线"/>
+        <a:font script="Hant" typeface="新細明體"/>
+        <a:font script="Arab" typeface="Arial"/>
+        <a:font script="Hebr" typeface="Arial"/>
+        <a:font script="Thai" typeface="Cordia New"/>
+        <a:font script="Ethi" typeface="Nyala"/>
+        <a:font script="Beng" typeface="Vrinda"/>
+        <a:font script="Gujr" typeface="Shruti"/>
+        <a:font script="Khmr" typeface="DaunPenh"/>
+        <a:font script="Knda" typeface="Tunga"/>
+        <a:font script="Guru" typeface="Raavi"/>
+        <a:font script="Cans" typeface="Euphemia"/>
+        <a:font script="Cher" typeface="Plantagenet Cherokee"/>
+        <a:font script="Yiii" typeface="Microsoft Yi Baiti"/>
+        <a:font script="Tibt" typeface="Microsoft Himalaya"/>
+        <a:font script="Thaa" typeface="MV Boli"/>
+        <a:font script="Deva" typeface="Mangal"/>
+        <a:font script="Telu" typeface="Gautami"/>
+        <a:font script="Taml" typeface="Latha"/>
+        <a:font script="Syrc" typeface="Estrangelo Edessa"/>
+        <a:font script="Orya" typeface="Kalinga"/>
+        <a:font script="Mlym" typeface="Kartika"/>
+        <a:font script="Laoo" typeface="DokChampa"/>
+        <a:font script="Sinh" typeface="Iskoola Pota"/>
+        <a:font script="Mong" typeface="Mongolian Baiti"/>
+        <a:font script="Viet" typeface="Arial"/>
+        <a:font script="Uigh" typeface="Microsoft Uighur"/>
+        <a:font script="Geor" typeface="Sylfaen"/>
+        <a:font script="Armn" typeface="Arial"/>
+        <a:font script="Bugi" typeface="Leelawadee UI"/>
+        <a:font script="Bopo" typeface="Microsoft JhengHei"/>
+        <a:font script="Java" typeface="Javanese Text"/>
+        <a:font script="Lisu" typeface="Segoe UI"/>
+        <a:font script="Mymr" typeface="Myanmar Text"/>
+        <a:font script="Nkoo" typeface="Ebrima"/>
+        <a:font script="Olck" typeface="Nirmala UI"/>
+        <a:font script="Osma" typeface="Ebrima"/>
+        <a:font script="Phag" typeface="Phagspa"/>
+        <a:font script="Syrn" typeface="Estrangelo Edessa"/>
+        <a:font script="Syrj" typeface="Estrangelo Edessa"/>
+        <a:font script="Syre" typeface="Estrangelo Edessa"/>
+        <a:font script="Sora" typeface="Nirmala UI"/>
+        <a:font script="Tale" typeface="Microsoft Tai Le"/>
+        <a:font script="Talu" typeface="Microsoft New Tai Lue"/>
+        <a:font script="Tfng" typeface="Ebrima"/>
+      </a:minorFont>
+    </a:fontScheme>
+    <a:fmtScheme name="Office">
+      <a:fillStyleLst>
+        <a:solidFill>
+          <a:schemeClr val="phClr"/>
+        </a:solidFill>
+        <a:gradFill rotWithShape="1">
+          <a:gsLst>
+            <a:gs pos="0">
+              <a:schemeClr val="phClr">
+                <a:lumMod val="110000"/>
+                <a:satMod val="105000"/>
+                <a:tint val="67000"/>
+              </a:schemeClr>
+            </a:gs>
+            <a:gs pos="50000">
+              <a:schemeClr val="phClr">
+                <a:lumMod val="105000"/>
+                <a:satMod val="103000"/>
+                <a:tint val="73000"/>
+              </a:schemeClr>
+            </a:gs>
+            <a:gs pos="100000">
+              <a:schemeClr val="phClr">
+                <a:lumMod val="105000"/>
+                <a:satMod val="109000"/>
+                <a:tint val="81000"/>
+              </a:schemeClr>
+            </a:gs>
+          </a:gsLst>
+          <a:lin ang="5400000" scaled="0"/>
+        </a:gradFill>
+        <a:gradFill rotWithShape="1">
+          <a:gsLst>
+            <a:gs pos="0">
+              <a:schemeClr val="phClr">
+                <a:satMod val="103000"/>
+                <a:lumMod val="102000"/>
+                <a:tint val="94000"/>
+              </a:schemeClr>
+            </a:gs>
+            <a:gs pos="50000">
+              <a:schemeClr val="phClr">
+                <a:satMod val="110000"/>
+                <a:lumMod val="100000"/>
+                <a:shade val="100000"/>
+              </a:schemeClr>
+            </a:gs>
+            <a:gs pos="100000">
+              <a:schemeClr val="phClr">
+                <a:lumMod val="99000"/>
+                <a:satMod val="120000"/>
+                <a:shade val="78000"/>
+              </a:schemeClr>
+            </a:gs>
+          </a:gsLst>
+          <a:lin ang="5400000" scaled="0"/>
+        </a:gradFill>
+      </a:fillStyleLst>
+      <a:lnStyleLst>
+        <a:ln w="6350" cap="flat" cmpd="sng" algn="ctr">
+          <a:solidFill>
+            <a:schemeClr val="phClr"/>
+          </a:solidFill>
+          <a:prstDash val="solid"/>
+          <a:miter lim="800000"/>
+        </a:ln>
+        <a:ln w="12700" cap="flat" cmpd="sng" algn="ctr">
+          <a:solidFill>
+            <a:schemeClr val="phClr"/>
+          </a:solidFill>
+          <a:prstDash val="solid"/>
+          <a:miter lim="800000"/>
+        </a:ln>
+        <a:ln w="19050" cap="flat" cmpd="sng" algn="ctr">
+          <a:solidFill>
+            <a:schemeClr val="phClr"/>
+          </a:solidFill>
+          <a:prstDash val="solid"/>
+          <a:miter lim="800000"/>
+        </a:ln>
+      </a:lnStyleLst>
+      <a:effectStyleLst>
+        <a:effectStyle>
+          <a:effectLst/>
+        </a:effectStyle>
+        <a:effectStyle>
+          <a:effectLst/>
+        </a:effectStyle>
+        <a:effectStyle>
+          <a:effectLst>
+            <a:outerShdw blurRad="57150" dist="19050" dir="5400000" algn="ctr" rotWithShape="0">
+              <a:srgbClr val="000000">
+                <a:alpha val="63000"/>
+              </a:srgbClr>
+            </a:outerShdw>
+          </a:effectLst>
+        </a:effectStyle>
+      </a:effectStyleLst>
+      <a:bgFillStyleLst>
+        <a:solidFill>
+          <a:schemeClr val="phClr"/>
+        </a:solidFill>
+        <a:solidFill>
+          <a:schemeClr val="phClr">
+            <a:tint val="95000"/>
+            <a:satMod val="170000"/>
+          </a:schemeClr>
+        </a:solidFill>
+        <a:gradFill rotWithShape="1">
+          <a:gsLst>
+            <a:gs pos="0">
+              <a:schemeClr val="phClr">
+                <a:tint val="93000"/>
+                <a:satMod val="150000"/>
+                <a:shade val="98000"/>
+                <a:lumMod val="102000"/>
+              </a:schemeClr>
+            </a:gs>
+            <a:gs pos="50000">
+              <a:schemeClr val="phClr">
+                <a:tint val="98000"/>
+                <a:satMod val="130000"/>
+                <a:shade val="90000"/>
+                <a:lumMod val="103000"/>
+              </a:schemeClr>
+            </a:gs>
+            <a:gs pos="100000">
+              <a:schemeClr val="phClr">
+                <a:shade val="63000"/>
+                <a:satMod val="120000"/>
+              </a:schemeClr>
+            </a:gs>
+          </a:gsLst>
+          <a:lin ang="5400000" scaled="0"/>
+        </a:gradFill>
+      </a:bgFillStyleLst>
+    </a:fmtScheme>
+  </a:themeElements>
+  <a:objectDefaults/>
+  <a:extraClrSchemeLst/>
+  <a:extLst>
+    <a:ext uri="{05A4C25C-085E-4340-85A3-A5531E510DB2}">
+      <thm15:themeFamily xmlns:thm15="http://schemas.microsoft.com/office/thememl/2012/main" name="Office Theme" id="{62F939B6-93AF-4DB8-9C6B-D6C7DFDC589F}" vid="{4A3C46E8-61CC-4603-A589-7422A47A8E4A}"/>
+    </a:ext>
+  </a:extLst>
+</a:theme>
 </file>
--- a/Concis.pptx
+++ b/Concis.pptx
@@ -766,7 +766,7 @@
           <a:effectLst/>
           <a:extLst>
             <a:ext uri="{91240B29-F687-4f45-9708-019B960494DF}">
-              <a14:hiddenLine xmlns="" xmlns:a14="http://schemas.microsoft.com/office/drawing/2010/main" w="9525">
+              <a14:hiddenLine xmlns:a14="http://schemas.microsoft.com/office/drawing/2010/main" xmlns="" w="9525">
                 <a:solidFill>
                   <a:srgbClr val="000000"/>
                 </a:solidFill>
@@ -2272,7 +2272,7 @@
           <a:ln/>
           <a:extLst>
             <a:ext uri="{91240B29-F687-4f45-9708-019B960494DF}">
-              <a14:hiddenLine xmlns="" xmlns:a14="http://schemas.microsoft.com/office/drawing/2010/main" w="9525">
+              <a14:hiddenLine xmlns:a14="http://schemas.microsoft.com/office/drawing/2010/main" xmlns="" w="9525">
                 <a:solidFill>
                   <a:srgbClr val="000000"/>
                 </a:solidFill>
@@ -2543,7 +2543,7 @@
           <a:ln/>
           <a:extLst>
             <a:ext uri="{91240B29-F687-4f45-9708-019B960494DF}">
-              <a14:hiddenLine xmlns="" xmlns:a14="http://schemas.microsoft.com/office/drawing/2010/main" w="9525">
+              <a14:hiddenLine xmlns:a14="http://schemas.microsoft.com/office/drawing/2010/main" xmlns="" w="9525">
                 <a:solidFill>
                   <a:srgbClr val="000000"/>
                 </a:solidFill>
@@ -2822,7 +2822,7 @@
           <a:ln/>
           <a:extLst>
             <a:ext uri="{91240B29-F687-4f45-9708-019B960494DF}">
-              <a14:hiddenLine xmlns="" xmlns:a14="http://schemas.microsoft.com/office/drawing/2010/main" w="9525">
+              <a14:hiddenLine xmlns:a14="http://schemas.microsoft.com/office/drawing/2010/main" xmlns="" w="9525">
                 <a:solidFill>
                   <a:srgbClr val="000000"/>
                 </a:solidFill>
@@ -3440,7 +3440,7 @@
           <a:ln/>
           <a:extLst>
             <a:ext uri="{91240B29-F687-4f45-9708-019B960494DF}">
-              <a14:hiddenLine xmlns="" xmlns:a14="http://schemas.microsoft.com/office/drawing/2010/main" w="9525">
+              <a14:hiddenLine xmlns:a14="http://schemas.microsoft.com/office/drawing/2010/main" xmlns="" w="9525">
                 <a:solidFill>
                   <a:srgbClr val="000000"/>
                 </a:solidFill>
@@ -3775,7 +3775,7 @@
           <a:ln/>
           <a:extLst>
             <a:ext uri="{91240B29-F687-4f45-9708-019B960494DF}">
-              <a14:hiddenLine xmlns="" xmlns:a14="http://schemas.microsoft.com/office/drawing/2010/main" w="9525">
+              <a14:hiddenLine xmlns:a14="http://schemas.microsoft.com/office/drawing/2010/main" xmlns="" w="9525">
                 <a:solidFill>
                   <a:srgbClr val="000000"/>
                 </a:solidFill>
@@ -4248,7 +4248,7 @@
           <a:ln/>
           <a:extLst>
             <a:ext uri="{91240B29-F687-4f45-9708-019B960494DF}">
-              <a14:hiddenLine xmlns="" xmlns:a14="http://schemas.microsoft.com/office/drawing/2010/main" w="9525">
+              <a14:hiddenLine xmlns:a14="http://schemas.microsoft.com/office/drawing/2010/main" xmlns="" w="9525">
                 <a:solidFill>
                   <a:srgbClr val="000000"/>
                 </a:solidFill>
@@ -4669,7 +4669,7 @@
           <a:ln/>
           <a:extLst>
             <a:ext uri="{91240B29-F687-4f45-9708-019B960494DF}">
-              <a14:hiddenLine xmlns="" xmlns:a14="http://schemas.microsoft.com/office/drawing/2010/main" w="9525">
+              <a14:hiddenLine xmlns:a14="http://schemas.microsoft.com/office/drawing/2010/main" xmlns="" w="9525">
                 <a:solidFill>
                   <a:srgbClr val="000000"/>
                 </a:solidFill>
@@ -6389,7 +6389,7 @@
           <a:effectLst/>
           <a:extLst>
             <a:ext uri="{91240B29-F687-4f45-9708-019B960494DF}">
-              <a14:hiddenLine xmlns:a16="http://schemas.microsoft.com/office/drawing/2014/main" xmlns:a14="http://schemas.microsoft.com/office/drawing/2010/main" xmlns="" w="9525">
+              <a14:hiddenLine xmlns="" xmlns:a14="http://schemas.microsoft.com/office/drawing/2010/main" xmlns:a16="http://schemas.microsoft.com/office/drawing/2014/main" w="9525">
                 <a:solidFill>
                   <a:srgbClr val="000000"/>
                 </a:solidFill>
@@ -6729,7 +6729,7 @@
           <a:effectLst/>
           <a:extLst>
             <a:ext uri="{91240B29-F687-4f45-9708-019B960494DF}">
-              <a14:hiddenLine xmlns:a16="http://schemas.microsoft.com/office/drawing/2014/main" xmlns:p14="http://schemas.microsoft.com/office/powerpoint/2010/main" xmlns:a14="http://schemas.microsoft.com/office/drawing/2010/main" xmlns="" w="9525">
+              <a14:hiddenLine xmlns="" xmlns:a14="http://schemas.microsoft.com/office/drawing/2010/main" xmlns:p14="http://schemas.microsoft.com/office/powerpoint/2010/main" xmlns:a16="http://schemas.microsoft.com/office/drawing/2014/main" w="9525">
                 <a:solidFill>
                   <a:srgbClr val="000000"/>
                 </a:solidFill>
@@ -11781,7 +11781,7 @@
           <a:effectLst/>
           <a:extLst>
             <a:ext uri="{91240B29-F687-4f45-9708-019B960494DF}">
-              <a14:hiddenLine xmlns="" xmlns:a14="http://schemas.microsoft.com/office/drawing/2010/main" xmlns:p14="http://schemas.microsoft.com/office/powerpoint/2010/main" xmlns:a16="http://schemas.microsoft.com/office/drawing/2014/main" w="9525">
+              <a14:hiddenLine xmlns:a16="http://schemas.microsoft.com/office/drawing/2014/main" xmlns:p14="http://schemas.microsoft.com/office/powerpoint/2010/main" xmlns:a14="http://schemas.microsoft.com/office/drawing/2010/main" xmlns="" w="9525">
                 <a:solidFill>
                   <a:srgbClr val="000000"/>
                 </a:solidFill>
